--- a/Student Performance Monitoring System (SPMS).pptx
+++ b/Student Performance Monitoring System (SPMS).pptx
@@ -119,6 +119,22 @@
       </a:defRPr>
     </a:lvl9pPr>
   </p:defaultTextStyle>
+  <p:extLst>
+    <p:ext uri="{EFAFB233-063F-42B5-8137-9DF3F51BA10A}">
+      <p15:sldGuideLst xmlns:p15="http://schemas.microsoft.com/office/powerpoint/2012/main">
+        <p15:guide id="1" orient="horz" pos="2160">
+          <p15:clr>
+            <a:srgbClr val="A4A3A4"/>
+          </p15:clr>
+        </p15:guide>
+        <p15:guide id="2" pos="3840">
+          <p15:clr>
+            <a:srgbClr val="A4A3A4"/>
+          </p15:clr>
+        </p15:guide>
+      </p15:sldGuideLst>
+    </p:ext>
+  </p:extLst>
 </p:presentation>
 </file>
 
@@ -253,7 +269,7 @@
           <a:p>
             <a:fld id="{5A17C049-BD81-4386-AD94-2637EF2EA6EB}" type="datetimeFigureOut">
               <a:rPr lang="en-US" smtClean="0"/>
-              <a:t>9/13/2021</a:t>
+              <a:t>13-Sep-21</a:t>
             </a:fld>
             <a:endParaRPr lang="en-US"/>
           </a:p>
@@ -423,7 +439,7 @@
           <a:p>
             <a:fld id="{5A17C049-BD81-4386-AD94-2637EF2EA6EB}" type="datetimeFigureOut">
               <a:rPr lang="en-US" smtClean="0"/>
-              <a:t>9/13/2021</a:t>
+              <a:t>13-Sep-21</a:t>
             </a:fld>
             <a:endParaRPr lang="en-US"/>
           </a:p>
@@ -603,7 +619,7 @@
           <a:p>
             <a:fld id="{5A17C049-BD81-4386-AD94-2637EF2EA6EB}" type="datetimeFigureOut">
               <a:rPr lang="en-US" smtClean="0"/>
-              <a:t>9/13/2021</a:t>
+              <a:t>13-Sep-21</a:t>
             </a:fld>
             <a:endParaRPr lang="en-US"/>
           </a:p>
@@ -773,7 +789,7 @@
           <a:p>
             <a:fld id="{5A17C049-BD81-4386-AD94-2637EF2EA6EB}" type="datetimeFigureOut">
               <a:rPr lang="en-US" smtClean="0"/>
-              <a:t>9/13/2021</a:t>
+              <a:t>13-Sep-21</a:t>
             </a:fld>
             <a:endParaRPr lang="en-US"/>
           </a:p>
@@ -1019,7 +1035,7 @@
           <a:p>
             <a:fld id="{5A17C049-BD81-4386-AD94-2637EF2EA6EB}" type="datetimeFigureOut">
               <a:rPr lang="en-US" smtClean="0"/>
-              <a:t>9/13/2021</a:t>
+              <a:t>13-Sep-21</a:t>
             </a:fld>
             <a:endParaRPr lang="en-US"/>
           </a:p>
@@ -1251,7 +1267,7 @@
           <a:p>
             <a:fld id="{5A17C049-BD81-4386-AD94-2637EF2EA6EB}" type="datetimeFigureOut">
               <a:rPr lang="en-US" smtClean="0"/>
-              <a:t>9/13/2021</a:t>
+              <a:t>13-Sep-21</a:t>
             </a:fld>
             <a:endParaRPr lang="en-US"/>
           </a:p>
@@ -1618,7 +1634,7 @@
           <a:p>
             <a:fld id="{5A17C049-BD81-4386-AD94-2637EF2EA6EB}" type="datetimeFigureOut">
               <a:rPr lang="en-US" smtClean="0"/>
-              <a:t>9/13/2021</a:t>
+              <a:t>13-Sep-21</a:t>
             </a:fld>
             <a:endParaRPr lang="en-US"/>
           </a:p>
@@ -1736,7 +1752,7 @@
           <a:p>
             <a:fld id="{5A17C049-BD81-4386-AD94-2637EF2EA6EB}" type="datetimeFigureOut">
               <a:rPr lang="en-US" smtClean="0"/>
-              <a:t>9/13/2021</a:t>
+              <a:t>13-Sep-21</a:t>
             </a:fld>
             <a:endParaRPr lang="en-US"/>
           </a:p>
@@ -1831,7 +1847,7 @@
           <a:p>
             <a:fld id="{5A17C049-BD81-4386-AD94-2637EF2EA6EB}" type="datetimeFigureOut">
               <a:rPr lang="en-US" smtClean="0"/>
-              <a:t>9/13/2021</a:t>
+              <a:t>13-Sep-21</a:t>
             </a:fld>
             <a:endParaRPr lang="en-US"/>
           </a:p>
@@ -2108,7 +2124,7 @@
           <a:p>
             <a:fld id="{5A17C049-BD81-4386-AD94-2637EF2EA6EB}" type="datetimeFigureOut">
               <a:rPr lang="en-US" smtClean="0"/>
-              <a:t>9/13/2021</a:t>
+              <a:t>13-Sep-21</a:t>
             </a:fld>
             <a:endParaRPr lang="en-US"/>
           </a:p>
@@ -2361,7 +2377,7 @@
           <a:p>
             <a:fld id="{5A17C049-BD81-4386-AD94-2637EF2EA6EB}" type="datetimeFigureOut">
               <a:rPr lang="en-US" smtClean="0"/>
-              <a:t>9/13/2021</a:t>
+              <a:t>13-Sep-21</a:t>
             </a:fld>
             <a:endParaRPr lang="en-US"/>
           </a:p>
@@ -2574,7 +2590,7 @@
           <a:p>
             <a:fld id="{5A17C049-BD81-4386-AD94-2637EF2EA6EB}" type="datetimeFigureOut">
               <a:rPr lang="en-US" smtClean="0"/>
-              <a:t>9/13/2021</a:t>
+              <a:t>13-Sep-21</a:t>
             </a:fld>
             <a:endParaRPr lang="en-US"/>
           </a:p>
@@ -2991,20 +3007,22 @@
         </p:nvSpPr>
         <p:spPr>
           <a:xfrm>
-            <a:off x="1154955" y="258791"/>
+            <a:off x="2906843" y="421161"/>
             <a:ext cx="8825658" cy="1749511"/>
           </a:xfrm>
         </p:spPr>
         <p:txBody>
-          <a:bodyPr/>
-          <a:lstStyle/>
-          <a:p>
-            <a:pPr algn="ctr"/>
-            <a:r>
-              <a:rPr lang="en-US" sz="5400" b="1" dirty="0" smtClean="0"/>
+          <a:bodyPr>
+            <a:normAutofit/>
+          </a:bodyPr>
+          <a:lstStyle/>
+          <a:p>
+            <a:pPr algn="r"/>
+            <a:r>
+              <a:rPr lang="en-US" b="1" dirty="0" smtClean="0"/>
               <a:t>Student Performance Monitoring System (SPMS)</a:t>
             </a:r>
-            <a:endParaRPr lang="en-US" sz="5400" b="1" dirty="0"/>
+            <a:endParaRPr lang="en-US" b="1" dirty="0"/>
           </a:p>
         </p:txBody>
       </p:sp>
@@ -3020,7 +3038,7 @@
         </p:nvSpPr>
         <p:spPr>
           <a:xfrm>
-            <a:off x="1154955" y="2346385"/>
+            <a:off x="2906843" y="2995865"/>
             <a:ext cx="8825658" cy="3292415"/>
           </a:xfrm>
         </p:spPr>
@@ -3028,30 +3046,25 @@
           <a:bodyPr/>
           <a:lstStyle/>
           <a:p>
-            <a:r>
-              <a:rPr lang="en-US" b="1" dirty="0" smtClean="0"/>
-              <a:t>Project done by </a:t>
-            </a:r>
-            <a:r>
-              <a:rPr lang="en-US" dirty="0" smtClean="0"/>
-              <a:t>:</a:t>
-            </a:r>
+            <a:pPr algn="r"/>
+            <a:r>
+              <a:rPr lang="en-US" sz="3200" b="1" dirty="0" smtClean="0"/>
+              <a:t>Presented By</a:t>
+            </a:r>
+            <a:endParaRPr lang="en-US" sz="3200" dirty="0" smtClean="0"/>
           </a:p>
           <a:p>
             <a:endParaRPr lang="en-US" dirty="0"/>
           </a:p>
           <a:p>
-            <a:pPr marL="342900" indent="-342900">
-              <a:buFont typeface="Arial" panose="020B0604020202020204" pitchFamily="34" charset="0"/>
-              <a:buChar char="•"/>
-            </a:pPr>
-            <a:r>
-              <a:rPr lang="en-US" dirty="0" err="1">
+            <a:pPr algn="r"/>
+            <a:r>
+              <a:rPr lang="en-US" dirty="0" smtClean="0">
                 <a:solidFill>
                   <a:schemeClr val="tx1"/>
                 </a:solidFill>
               </a:rPr>
-              <a:t>Shoeb</a:t>
+              <a:t>  Shoeb </a:t>
             </a:r>
             <a:r>
               <a:rPr lang="en-US" dirty="0">
@@ -3059,7 +3072,15 @@
                   <a:schemeClr val="tx1"/>
                 </a:solidFill>
               </a:rPr>
-              <a:t> Uddin Ahmed                             </a:t>
+              <a:t>Uddin Ahmed    </a:t>
+            </a:r>
+            <a:r>
+              <a:rPr lang="en-US" dirty="0" smtClean="0">
+                <a:solidFill>
+                  <a:schemeClr val="tx1"/>
+                </a:solidFill>
+              </a:rPr>
+              <a:t>                        </a:t>
             </a:r>
             <a:r>
               <a:rPr lang="en-US" dirty="0" smtClean="0">
@@ -3071,10 +3092,7 @@
             </a:r>
           </a:p>
           <a:p>
-            <a:pPr marL="342900" indent="-342900">
-              <a:buFont typeface="Arial" panose="020B0604020202020204" pitchFamily="34" charset="0"/>
-              <a:buChar char="•"/>
-            </a:pPr>
+            <a:pPr algn="r"/>
             <a:r>
               <a:rPr lang="en-US" dirty="0" err="1" smtClean="0">
                 <a:solidFill>
@@ -3122,10 +3140,7 @@
             </a:endParaRPr>
           </a:p>
           <a:p>
-            <a:pPr marL="342900" indent="-342900">
-              <a:buFont typeface="Arial" panose="020B0604020202020204" pitchFamily="34" charset="0"/>
-              <a:buChar char="•"/>
-            </a:pPr>
+            <a:pPr algn="r"/>
             <a:r>
               <a:rPr lang="en-US" dirty="0" err="1" smtClean="0">
                 <a:solidFill>
@@ -3361,8 +3376,8 @@
         </p:nvSpPr>
         <p:spPr>
           <a:xfrm>
-            <a:off x="1330960" y="1512779"/>
-            <a:ext cx="2926080" cy="646331"/>
+            <a:off x="1447799" y="1466612"/>
+            <a:ext cx="4226608" cy="369332"/>
           </a:xfrm>
           <a:prstGeom prst="rect">
             <a:avLst/>
@@ -3377,11 +3392,12 @@
           <a:p>
             <a:r>
               <a:rPr lang="en-US" b="1" dirty="0"/>
-              <a:t>Student Wise PLO ANALYSIS:</a:t>
-            </a:r>
-            <a:endParaRPr lang="en-US" dirty="0"/>
-          </a:p>
-          <a:p>
+              <a:t>Student Wise PLO </a:t>
+            </a:r>
+            <a:r>
+              <a:rPr lang="en-US" b="1" dirty="0" smtClean="0"/>
+              <a:t>ANALYSIS (Faculty UI):</a:t>
+            </a:r>
             <a:endParaRPr lang="en-US" dirty="0"/>
           </a:p>
         </p:txBody>
@@ -3471,7 +3487,19 @@
           <a:p>
             <a:r>
               <a:rPr lang="en-US" b="1" dirty="0"/>
-              <a:t>PLO attempted VS Achieved By Students:</a:t>
+              <a:t>PLO attempted VS Achieved By </a:t>
+            </a:r>
+            <a:r>
+              <a:rPr lang="en-US" b="1" dirty="0" smtClean="0"/>
+              <a:t>Students (Faculty </a:t>
+            </a:r>
+            <a:r>
+              <a:rPr lang="en-US" b="1" dirty="0" err="1" smtClean="0"/>
+              <a:t>DashBoard</a:t>
+            </a:r>
+            <a:r>
+              <a:rPr lang="en-US" b="1" dirty="0" smtClean="0"/>
+              <a:t>):</a:t>
             </a:r>
             <a:endParaRPr lang="en-US" dirty="0"/>
           </a:p>
@@ -3565,7 +3593,11 @@
           <a:p>
             <a:r>
               <a:rPr lang="en-US" b="1" dirty="0"/>
-              <a:t>COURSE WISE PLO ANALYSIS:</a:t>
+              <a:t>COURSE WISE PLO </a:t>
+            </a:r>
+            <a:r>
+              <a:rPr lang="en-US" b="1" dirty="0" smtClean="0"/>
+              <a:t>ANALYSIS (Faculty UI):</a:t>
             </a:r>
             <a:endParaRPr lang="en-US" dirty="0"/>
           </a:p>
@@ -3884,8 +3916,8 @@
         </p:nvSpPr>
         <p:spPr>
           <a:xfrm>
-            <a:off x="922060" y="168046"/>
-            <a:ext cx="9404723" cy="1400530"/>
+            <a:off x="1716820" y="0"/>
+            <a:ext cx="8324489" cy="917370"/>
           </a:xfrm>
         </p:spPr>
         <p:txBody>
@@ -3916,8 +3948,8 @@
         </p:blipFill>
         <p:spPr>
           <a:xfrm>
-            <a:off x="1397479" y="1406106"/>
-            <a:ext cx="8453887" cy="5351483"/>
+            <a:off x="1397479" y="846034"/>
+            <a:ext cx="9190760" cy="5911555"/>
           </a:xfrm>
           <a:prstGeom prst="rect">
             <a:avLst/>
@@ -4066,15 +4098,7 @@
             </a:r>
             <a:r>
               <a:rPr lang="en-US" sz="2400" dirty="0" smtClean="0"/>
-              <a:t>too time-consuming </a:t>
-            </a:r>
-            <a:r>
-              <a:rPr lang="en-US" sz="2400" dirty="0" smtClean="0"/>
-              <a:t>and </a:t>
-            </a:r>
-            <a:r>
-              <a:rPr lang="en-US" sz="2400" dirty="0" smtClean="0"/>
-              <a:t>uses </a:t>
+              <a:t>too time-consuming and uses </a:t>
             </a:r>
             <a:r>
               <a:rPr lang="en-US" sz="2400" dirty="0"/>
@@ -4101,7 +4125,6 @@
               <a:rPr lang="en-US" sz="2400" dirty="0"/>
               <a:t>The CO, PLO achievement analysis has to be done by the faculty by manually entering marks of each student to finalize whether they pass or fail. The analysis has to be sent to the admin to be uploaded to the database. The entire CO, PLO achievement analysis table, and the passing of the data is extremely time-consuming.</a:t>
             </a:r>
-            <a:endParaRPr lang="en-US" sz="2400" dirty="0"/>
           </a:p>
         </p:txBody>
       </p:sp>
@@ -4154,12 +4177,14 @@
         </p:nvSpPr>
         <p:spPr>
           <a:xfrm>
-            <a:off x="838200" y="218476"/>
-            <a:ext cx="10515600" cy="1325563"/>
+            <a:off x="1452291" y="0"/>
+            <a:ext cx="8946735" cy="636103"/>
           </a:xfrm>
         </p:spPr>
         <p:txBody>
-          <a:bodyPr/>
+          <a:bodyPr>
+            <a:normAutofit fontScale="90000"/>
+          </a:bodyPr>
           <a:lstStyle/>
           <a:p>
             <a:pPr algn="ctr"/>
@@ -4186,8 +4211,8 @@
         </p:blipFill>
         <p:spPr>
           <a:xfrm>
-            <a:off x="1452291" y="1293963"/>
-            <a:ext cx="8873528" cy="5644747"/>
+            <a:off x="1452290" y="636103"/>
+            <a:ext cx="9426505" cy="6302607"/>
           </a:xfrm>
           <a:prstGeom prst="rect">
             <a:avLst/>
@@ -4285,8 +4310,8 @@
         </p:blipFill>
         <p:spPr>
           <a:xfrm>
-            <a:off x="1508532" y="162775"/>
-            <a:ext cx="9697948" cy="6441440"/>
+            <a:off x="1508531" y="88984"/>
+            <a:ext cx="10105204" cy="6711942"/>
           </a:xfrm>
           <a:prstGeom prst="rect">
             <a:avLst/>
@@ -4508,14 +4533,14 @@
                 <a:gridCol w="1239520">
                   <a:extLst>
                     <a:ext uri="{9D8B030D-6E8A-4147-A177-3AD203B41FA5}">
-                      <a16:colId xmlns:a16="http://schemas.microsoft.com/office/drawing/2014/main" xmlns="" val="4124505920"/>
+                      <a16:colId xmlns="" xmlns:a16="http://schemas.microsoft.com/office/drawing/2014/main" val="4124505920"/>
                     </a:ext>
                   </a:extLst>
                 </a:gridCol>
                 <a:gridCol w="6888480">
                   <a:extLst>
                     <a:ext uri="{9D8B030D-6E8A-4147-A177-3AD203B41FA5}">
-                      <a16:colId xmlns:a16="http://schemas.microsoft.com/office/drawing/2014/main" xmlns="" val="3532537433"/>
+                      <a16:colId xmlns="" xmlns:a16="http://schemas.microsoft.com/office/drawing/2014/main" val="3532537433"/>
                     </a:ext>
                   </a:extLst>
                 </a:gridCol>
@@ -4605,7 +4630,7 @@
                 </a:tc>
                 <a:extLst>
                   <a:ext uri="{0D108BD9-81ED-4DB2-BD59-A6C34878D82A}">
-                    <a16:rowId xmlns:a16="http://schemas.microsoft.com/office/drawing/2014/main" xmlns="" val="2368120112"/>
+                    <a16:rowId xmlns="" xmlns:a16="http://schemas.microsoft.com/office/drawing/2014/main" val="2368120112"/>
                   </a:ext>
                 </a:extLst>
               </a:tr>
@@ -4682,7 +4707,7 @@
                 </a:tc>
                 <a:extLst>
                   <a:ext uri="{0D108BD9-81ED-4DB2-BD59-A6C34878D82A}">
-                    <a16:rowId xmlns:a16="http://schemas.microsoft.com/office/drawing/2014/main" xmlns="" val="1176866898"/>
+                    <a16:rowId xmlns="" xmlns:a16="http://schemas.microsoft.com/office/drawing/2014/main" val="1176866898"/>
                   </a:ext>
                 </a:extLst>
               </a:tr>
@@ -4759,7 +4784,7 @@
                 </a:tc>
                 <a:extLst>
                   <a:ext uri="{0D108BD9-81ED-4DB2-BD59-A6C34878D82A}">
-                    <a16:rowId xmlns:a16="http://schemas.microsoft.com/office/drawing/2014/main" xmlns="" val="3748229593"/>
+                    <a16:rowId xmlns="" xmlns:a16="http://schemas.microsoft.com/office/drawing/2014/main" val="3748229593"/>
                   </a:ext>
                 </a:extLst>
               </a:tr>
@@ -4854,7 +4879,7 @@
                 </a:tc>
                 <a:extLst>
                   <a:ext uri="{0D108BD9-81ED-4DB2-BD59-A6C34878D82A}">
-                    <a16:rowId xmlns:a16="http://schemas.microsoft.com/office/drawing/2014/main" xmlns="" val="3510325890"/>
+                    <a16:rowId xmlns="" xmlns:a16="http://schemas.microsoft.com/office/drawing/2014/main" val="3510325890"/>
                   </a:ext>
                 </a:extLst>
               </a:tr>
@@ -4958,7 +4983,7 @@
                 </a:tc>
                 <a:extLst>
                   <a:ext uri="{0D108BD9-81ED-4DB2-BD59-A6C34878D82A}">
-                    <a16:rowId xmlns:a16="http://schemas.microsoft.com/office/drawing/2014/main" xmlns="" val="2610059197"/>
+                    <a16:rowId xmlns="" xmlns:a16="http://schemas.microsoft.com/office/drawing/2014/main" val="2610059197"/>
                   </a:ext>
                 </a:extLst>
               </a:tr>
@@ -5080,7 +5105,7 @@
                 </a:tc>
                 <a:extLst>
                   <a:ext uri="{0D108BD9-81ED-4DB2-BD59-A6C34878D82A}">
-                    <a16:rowId xmlns:a16="http://schemas.microsoft.com/office/drawing/2014/main" xmlns="" val="2006825161"/>
+                    <a16:rowId xmlns="" xmlns:a16="http://schemas.microsoft.com/office/drawing/2014/main" val="2006825161"/>
                   </a:ext>
                 </a:extLst>
               </a:tr>
@@ -5284,7 +5309,7 @@
                 </a:tc>
                 <a:extLst>
                   <a:ext uri="{0D108BD9-81ED-4DB2-BD59-A6C34878D82A}">
-                    <a16:rowId xmlns:a16="http://schemas.microsoft.com/office/drawing/2014/main" xmlns="" val="3295776193"/>
+                    <a16:rowId xmlns="" xmlns:a16="http://schemas.microsoft.com/office/drawing/2014/main" val="3295776193"/>
                   </a:ext>
                 </a:extLst>
               </a:tr>
@@ -5425,7 +5450,7 @@
                 </a:tc>
                 <a:extLst>
                   <a:ext uri="{0D108BD9-81ED-4DB2-BD59-A6C34878D82A}">
-                    <a16:rowId xmlns:a16="http://schemas.microsoft.com/office/drawing/2014/main" xmlns="" val="2619220988"/>
+                    <a16:rowId xmlns="" xmlns:a16="http://schemas.microsoft.com/office/drawing/2014/main" val="2619220988"/>
                   </a:ext>
                 </a:extLst>
               </a:tr>
@@ -5593,7 +5618,7 @@
                 </a:tc>
                 <a:extLst>
                   <a:ext uri="{0D108BD9-81ED-4DB2-BD59-A6C34878D82A}">
-                    <a16:rowId xmlns:a16="http://schemas.microsoft.com/office/drawing/2014/main" xmlns="" val="88020506"/>
+                    <a16:rowId xmlns="" xmlns:a16="http://schemas.microsoft.com/office/drawing/2014/main" val="88020506"/>
                   </a:ext>
                 </a:extLst>
               </a:tr>
@@ -5670,7 +5695,7 @@
                 </a:tc>
                 <a:extLst>
                   <a:ext uri="{0D108BD9-81ED-4DB2-BD59-A6C34878D82A}">
-                    <a16:rowId xmlns:a16="http://schemas.microsoft.com/office/drawing/2014/main" xmlns="" val="3712571234"/>
+                    <a16:rowId xmlns="" xmlns:a16="http://schemas.microsoft.com/office/drawing/2014/main" val="3712571234"/>
                   </a:ext>
                 </a:extLst>
               </a:tr>
@@ -5747,7 +5772,7 @@
                 </a:tc>
                 <a:extLst>
                   <a:ext uri="{0D108BD9-81ED-4DB2-BD59-A6C34878D82A}">
-                    <a16:rowId xmlns:a16="http://schemas.microsoft.com/office/drawing/2014/main" xmlns="" val="274801435"/>
+                    <a16:rowId xmlns="" xmlns:a16="http://schemas.microsoft.com/office/drawing/2014/main" val="274801435"/>
                   </a:ext>
                 </a:extLst>
               </a:tr>
@@ -5824,7 +5849,7 @@
                 </a:tc>
                 <a:extLst>
                   <a:ext uri="{0D108BD9-81ED-4DB2-BD59-A6C34878D82A}">
-                    <a16:rowId xmlns:a16="http://schemas.microsoft.com/office/drawing/2014/main" xmlns="" val="3161068984"/>
+                    <a16:rowId xmlns="" xmlns:a16="http://schemas.microsoft.com/office/drawing/2014/main" val="3161068984"/>
                   </a:ext>
                 </a:extLst>
               </a:tr>
@@ -5955,7 +5980,7 @@
                 </a:tc>
                 <a:extLst>
                   <a:ext uri="{0D108BD9-81ED-4DB2-BD59-A6C34878D82A}">
-                    <a16:rowId xmlns:a16="http://schemas.microsoft.com/office/drawing/2014/main" xmlns="" val="1158425243"/>
+                    <a16:rowId xmlns="" xmlns:a16="http://schemas.microsoft.com/office/drawing/2014/main" val="1158425243"/>
                   </a:ext>
                 </a:extLst>
               </a:tr>
@@ -6731,7 +6756,7 @@
   <a:extraClrSchemeLst/>
   <a:extLst>
     <a:ext uri="{05A4C25C-085E-4340-85A3-A5531E510DB2}">
-      <thm15:themeFamily xmlns:thm15="http://schemas.microsoft.com/office/thememl/2012/main" xmlns="" name="Office Theme" id="{62F939B6-93AF-4DB8-9C6B-D6C7DFDC589F}" vid="{4A3C46E8-61CC-4603-A589-7422A47A8E4A}"/>
+      <thm15:themeFamily xmlns:thm15="http://schemas.microsoft.com/office/thememl/2012/main" name="Office Theme" id="{62F939B6-93AF-4DB8-9C6B-D6C7DFDC589F}" vid="{4A3C46E8-61CC-4603-A589-7422A47A8E4A}"/>
     </a:ext>
   </a:extLst>
 </a:theme>

--- a/Student Performance Monitoring System (SPMS).pptx
+++ b/Student Performance Monitoring System (SPMS).pptx
@@ -269,7 +269,7 @@
           <a:p>
             <a:fld id="{5A17C049-BD81-4386-AD94-2637EF2EA6EB}" type="datetimeFigureOut">
               <a:rPr lang="en-US" smtClean="0"/>
-              <a:t>13-Sep-21</a:t>
+              <a:t>9/13/2021</a:t>
             </a:fld>
             <a:endParaRPr lang="en-US"/>
           </a:p>
@@ -439,7 +439,7 @@
           <a:p>
             <a:fld id="{5A17C049-BD81-4386-AD94-2637EF2EA6EB}" type="datetimeFigureOut">
               <a:rPr lang="en-US" smtClean="0"/>
-              <a:t>13-Sep-21</a:t>
+              <a:t>9/13/2021</a:t>
             </a:fld>
             <a:endParaRPr lang="en-US"/>
           </a:p>
@@ -619,7 +619,7 @@
           <a:p>
             <a:fld id="{5A17C049-BD81-4386-AD94-2637EF2EA6EB}" type="datetimeFigureOut">
               <a:rPr lang="en-US" smtClean="0"/>
-              <a:t>13-Sep-21</a:t>
+              <a:t>9/13/2021</a:t>
             </a:fld>
             <a:endParaRPr lang="en-US"/>
           </a:p>
@@ -789,7 +789,7 @@
           <a:p>
             <a:fld id="{5A17C049-BD81-4386-AD94-2637EF2EA6EB}" type="datetimeFigureOut">
               <a:rPr lang="en-US" smtClean="0"/>
-              <a:t>13-Sep-21</a:t>
+              <a:t>9/13/2021</a:t>
             </a:fld>
             <a:endParaRPr lang="en-US"/>
           </a:p>
@@ -1035,7 +1035,7 @@
           <a:p>
             <a:fld id="{5A17C049-BD81-4386-AD94-2637EF2EA6EB}" type="datetimeFigureOut">
               <a:rPr lang="en-US" smtClean="0"/>
-              <a:t>13-Sep-21</a:t>
+              <a:t>9/13/2021</a:t>
             </a:fld>
             <a:endParaRPr lang="en-US"/>
           </a:p>
@@ -1267,7 +1267,7 @@
           <a:p>
             <a:fld id="{5A17C049-BD81-4386-AD94-2637EF2EA6EB}" type="datetimeFigureOut">
               <a:rPr lang="en-US" smtClean="0"/>
-              <a:t>13-Sep-21</a:t>
+              <a:t>9/13/2021</a:t>
             </a:fld>
             <a:endParaRPr lang="en-US"/>
           </a:p>
@@ -1634,7 +1634,7 @@
           <a:p>
             <a:fld id="{5A17C049-BD81-4386-AD94-2637EF2EA6EB}" type="datetimeFigureOut">
               <a:rPr lang="en-US" smtClean="0"/>
-              <a:t>13-Sep-21</a:t>
+              <a:t>9/13/2021</a:t>
             </a:fld>
             <a:endParaRPr lang="en-US"/>
           </a:p>
@@ -1752,7 +1752,7 @@
           <a:p>
             <a:fld id="{5A17C049-BD81-4386-AD94-2637EF2EA6EB}" type="datetimeFigureOut">
               <a:rPr lang="en-US" smtClean="0"/>
-              <a:t>13-Sep-21</a:t>
+              <a:t>9/13/2021</a:t>
             </a:fld>
             <a:endParaRPr lang="en-US"/>
           </a:p>
@@ -1847,7 +1847,7 @@
           <a:p>
             <a:fld id="{5A17C049-BD81-4386-AD94-2637EF2EA6EB}" type="datetimeFigureOut">
               <a:rPr lang="en-US" smtClean="0"/>
-              <a:t>13-Sep-21</a:t>
+              <a:t>9/13/2021</a:t>
             </a:fld>
             <a:endParaRPr lang="en-US"/>
           </a:p>
@@ -2124,7 +2124,7 @@
           <a:p>
             <a:fld id="{5A17C049-BD81-4386-AD94-2637EF2EA6EB}" type="datetimeFigureOut">
               <a:rPr lang="en-US" smtClean="0"/>
-              <a:t>13-Sep-21</a:t>
+              <a:t>9/13/2021</a:t>
             </a:fld>
             <a:endParaRPr lang="en-US"/>
           </a:p>
@@ -2377,7 +2377,7 @@
           <a:p>
             <a:fld id="{5A17C049-BD81-4386-AD94-2637EF2EA6EB}" type="datetimeFigureOut">
               <a:rPr lang="en-US" smtClean="0"/>
-              <a:t>13-Sep-21</a:t>
+              <a:t>9/13/2021</a:t>
             </a:fld>
             <a:endParaRPr lang="en-US"/>
           </a:p>
@@ -2590,7 +2590,7 @@
           <a:p>
             <a:fld id="{5A17C049-BD81-4386-AD94-2637EF2EA6EB}" type="datetimeFigureOut">
               <a:rPr lang="en-US" smtClean="0"/>
-              <a:t>13-Sep-21</a:t>
+              <a:t>9/13/2021</a:t>
             </a:fld>
             <a:endParaRPr lang="en-US"/>
           </a:p>
@@ -3080,15 +3080,7 @@
                   <a:schemeClr val="tx1"/>
                 </a:solidFill>
               </a:rPr>
-              <a:t>                        </a:t>
-            </a:r>
-            <a:r>
-              <a:rPr lang="en-US" dirty="0" smtClean="0">
-                <a:solidFill>
-                  <a:schemeClr val="tx1"/>
-                </a:solidFill>
-              </a:rPr>
-              <a:t>1920038</a:t>
+              <a:t>                        1920038</a:t>
             </a:r>
           </a:p>
           <a:p>
@@ -3171,7 +3163,53 @@
                   <a:schemeClr val="tx1"/>
                 </a:solidFill>
               </a:rPr>
-              <a:t> 1830422</a:t>
+              <a:t> </a:t>
+            </a:r>
+            <a:r>
+              <a:rPr lang="en-US" dirty="0" smtClean="0">
+                <a:solidFill>
+                  <a:schemeClr val="tx1"/>
+                </a:solidFill>
+              </a:rPr>
+              <a:t>1830422</a:t>
+            </a:r>
+          </a:p>
+          <a:p>
+            <a:pPr algn="r"/>
+            <a:r>
+              <a:rPr lang="en-US" dirty="0" err="1" smtClean="0"/>
+              <a:t>Syeda</a:t>
+            </a:r>
+            <a:r>
+              <a:rPr lang="en-US" dirty="0" smtClean="0"/>
+              <a:t> </a:t>
+            </a:r>
+            <a:r>
+              <a:rPr lang="en-US" dirty="0" err="1"/>
+              <a:t>Ramisa</a:t>
+            </a:r>
+            <a:r>
+              <a:rPr lang="en-US" dirty="0"/>
+              <a:t> Shams </a:t>
+            </a:r>
+            <a:r>
+              <a:rPr lang="en-US" dirty="0" smtClean="0"/>
+              <a:t>Mahmood        1720180</a:t>
+            </a:r>
+          </a:p>
+          <a:p>
+            <a:pPr algn="r"/>
+            <a:r>
+              <a:rPr lang="en-US" dirty="0"/>
+              <a:t>Maria Hasan </a:t>
+            </a:r>
+            <a:r>
+              <a:rPr lang="en-US" dirty="0" err="1" smtClean="0"/>
+              <a:t>Logno</a:t>
+            </a:r>
+            <a:r>
+              <a:rPr lang="en-US" dirty="0" smtClean="0"/>
+              <a:t>                              1720469 </a:t>
             </a:r>
             <a:endParaRPr lang="en-US" dirty="0">
               <a:solidFill>
@@ -4521,7 +4559,7 @@
         </p:nvGraphicFramePr>
         <p:xfrm>
           <a:off x="2032000" y="242146"/>
-          <a:ext cx="8128000" cy="6863080"/>
+          <a:ext cx="8128000" cy="6457698"/>
         </p:xfrm>
         <a:graphic>
           <a:graphicData uri="http://schemas.openxmlformats.org/drawingml/2006/table">
@@ -4533,14 +4571,14 @@
                 <a:gridCol w="1239520">
                   <a:extLst>
                     <a:ext uri="{9D8B030D-6E8A-4147-A177-3AD203B41FA5}">
-                      <a16:colId xmlns="" xmlns:a16="http://schemas.microsoft.com/office/drawing/2014/main" val="4124505920"/>
+                      <a16:colId xmlns:a16="http://schemas.microsoft.com/office/drawing/2014/main" val="4124505920"/>
                     </a:ext>
                   </a:extLst>
                 </a:gridCol>
                 <a:gridCol w="6888480">
                   <a:extLst>
                     <a:ext uri="{9D8B030D-6E8A-4147-A177-3AD203B41FA5}">
-                      <a16:colId xmlns="" xmlns:a16="http://schemas.microsoft.com/office/drawing/2014/main" val="3532537433"/>
+                      <a16:colId xmlns:a16="http://schemas.microsoft.com/office/drawing/2014/main" val="3532537433"/>
                     </a:ext>
                   </a:extLst>
                 </a:gridCol>
@@ -4630,7 +4668,7 @@
                 </a:tc>
                 <a:extLst>
                   <a:ext uri="{0D108BD9-81ED-4DB2-BD59-A6C34878D82A}">
-                    <a16:rowId xmlns="" xmlns:a16="http://schemas.microsoft.com/office/drawing/2014/main" val="2368120112"/>
+                    <a16:rowId xmlns:a16="http://schemas.microsoft.com/office/drawing/2014/main" val="2368120112"/>
                   </a:ext>
                 </a:extLst>
               </a:tr>
@@ -4707,7 +4745,7 @@
                 </a:tc>
                 <a:extLst>
                   <a:ext uri="{0D108BD9-81ED-4DB2-BD59-A6C34878D82A}">
-                    <a16:rowId xmlns="" xmlns:a16="http://schemas.microsoft.com/office/drawing/2014/main" val="1176866898"/>
+                    <a16:rowId xmlns:a16="http://schemas.microsoft.com/office/drawing/2014/main" val="1176866898"/>
                   </a:ext>
                 </a:extLst>
               </a:tr>
@@ -4784,7 +4822,7 @@
                 </a:tc>
                 <a:extLst>
                   <a:ext uri="{0D108BD9-81ED-4DB2-BD59-A6C34878D82A}">
-                    <a16:rowId xmlns="" xmlns:a16="http://schemas.microsoft.com/office/drawing/2014/main" val="3748229593"/>
+                    <a16:rowId xmlns:a16="http://schemas.microsoft.com/office/drawing/2014/main" val="3748229593"/>
                   </a:ext>
                 </a:extLst>
               </a:tr>
@@ -4879,7 +4917,7 @@
                 </a:tc>
                 <a:extLst>
                   <a:ext uri="{0D108BD9-81ED-4DB2-BD59-A6C34878D82A}">
-                    <a16:rowId xmlns="" xmlns:a16="http://schemas.microsoft.com/office/drawing/2014/main" val="3510325890"/>
+                    <a16:rowId xmlns:a16="http://schemas.microsoft.com/office/drawing/2014/main" val="3510325890"/>
                   </a:ext>
                 </a:extLst>
               </a:tr>
@@ -4983,7 +5021,7 @@
                 </a:tc>
                 <a:extLst>
                   <a:ext uri="{0D108BD9-81ED-4DB2-BD59-A6C34878D82A}">
-                    <a16:rowId xmlns="" xmlns:a16="http://schemas.microsoft.com/office/drawing/2014/main" val="2610059197"/>
+                    <a16:rowId xmlns:a16="http://schemas.microsoft.com/office/drawing/2014/main" val="2610059197"/>
                   </a:ext>
                 </a:extLst>
               </a:tr>
@@ -5105,7 +5143,7 @@
                 </a:tc>
                 <a:extLst>
                   <a:ext uri="{0D108BD9-81ED-4DB2-BD59-A6C34878D82A}">
-                    <a16:rowId xmlns="" xmlns:a16="http://schemas.microsoft.com/office/drawing/2014/main" val="2006825161"/>
+                    <a16:rowId xmlns:a16="http://schemas.microsoft.com/office/drawing/2014/main" val="2006825161"/>
                   </a:ext>
                 </a:extLst>
               </a:tr>
@@ -5309,7 +5347,7 @@
                 </a:tc>
                 <a:extLst>
                   <a:ext uri="{0D108BD9-81ED-4DB2-BD59-A6C34878D82A}">
-                    <a16:rowId xmlns="" xmlns:a16="http://schemas.microsoft.com/office/drawing/2014/main" val="3295776193"/>
+                    <a16:rowId xmlns:a16="http://schemas.microsoft.com/office/drawing/2014/main" val="3295776193"/>
                   </a:ext>
                 </a:extLst>
               </a:tr>
@@ -5450,7 +5488,7 @@
                 </a:tc>
                 <a:extLst>
                   <a:ext uri="{0D108BD9-81ED-4DB2-BD59-A6C34878D82A}">
-                    <a16:rowId xmlns="" xmlns:a16="http://schemas.microsoft.com/office/drawing/2014/main" val="2619220988"/>
+                    <a16:rowId xmlns:a16="http://schemas.microsoft.com/office/drawing/2014/main" val="2619220988"/>
                   </a:ext>
                 </a:extLst>
               </a:tr>
@@ -5618,7 +5656,7 @@
                 </a:tc>
                 <a:extLst>
                   <a:ext uri="{0D108BD9-81ED-4DB2-BD59-A6C34878D82A}">
-                    <a16:rowId xmlns="" xmlns:a16="http://schemas.microsoft.com/office/drawing/2014/main" val="88020506"/>
+                    <a16:rowId xmlns:a16="http://schemas.microsoft.com/office/drawing/2014/main" val="88020506"/>
                   </a:ext>
                 </a:extLst>
               </a:tr>
@@ -5695,7 +5733,7 @@
                 </a:tc>
                 <a:extLst>
                   <a:ext uri="{0D108BD9-81ED-4DB2-BD59-A6C34878D82A}">
-                    <a16:rowId xmlns="" xmlns:a16="http://schemas.microsoft.com/office/drawing/2014/main" val="3712571234"/>
+                    <a16:rowId xmlns:a16="http://schemas.microsoft.com/office/drawing/2014/main" val="3712571234"/>
                   </a:ext>
                 </a:extLst>
               </a:tr>
@@ -5772,7 +5810,7 @@
                 </a:tc>
                 <a:extLst>
                   <a:ext uri="{0D108BD9-81ED-4DB2-BD59-A6C34878D82A}">
-                    <a16:rowId xmlns="" xmlns:a16="http://schemas.microsoft.com/office/drawing/2014/main" val="274801435"/>
+                    <a16:rowId xmlns:a16="http://schemas.microsoft.com/office/drawing/2014/main" val="274801435"/>
                   </a:ext>
                 </a:extLst>
               </a:tr>
@@ -5849,7 +5887,7 @@
                 </a:tc>
                 <a:extLst>
                   <a:ext uri="{0D108BD9-81ED-4DB2-BD59-A6C34878D82A}">
-                    <a16:rowId xmlns="" xmlns:a16="http://schemas.microsoft.com/office/drawing/2014/main" val="3161068984"/>
+                    <a16:rowId xmlns:a16="http://schemas.microsoft.com/office/drawing/2014/main" val="3161068984"/>
                   </a:ext>
                 </a:extLst>
               </a:tr>
@@ -5980,7 +6018,7 @@
                 </a:tc>
                 <a:extLst>
                   <a:ext uri="{0D108BD9-81ED-4DB2-BD59-A6C34878D82A}">
-                    <a16:rowId xmlns="" xmlns:a16="http://schemas.microsoft.com/office/drawing/2014/main" val="1158425243"/>
+                    <a16:rowId xmlns:a16="http://schemas.microsoft.com/office/drawing/2014/main" val="1158425243"/>
                   </a:ext>
                 </a:extLst>
               </a:tr>

--- a/Student Performance Monitoring System (SPMS).pptx
+++ b/Student Performance Monitoring System (SPMS).pptx
@@ -253,7 +253,7 @@
           <a:p>
             <a:fld id="{5A17C049-BD81-4386-AD94-2637EF2EA6EB}" type="datetimeFigureOut">
               <a:rPr lang="en-US" smtClean="0"/>
-              <a:t>9/12/2021</a:t>
+              <a:t>9/13/2021</a:t>
             </a:fld>
             <a:endParaRPr lang="en-US"/>
           </a:p>
@@ -423,7 +423,7 @@
           <a:p>
             <a:fld id="{5A17C049-BD81-4386-AD94-2637EF2EA6EB}" type="datetimeFigureOut">
               <a:rPr lang="en-US" smtClean="0"/>
-              <a:t>9/12/2021</a:t>
+              <a:t>9/13/2021</a:t>
             </a:fld>
             <a:endParaRPr lang="en-US"/>
           </a:p>
@@ -603,7 +603,7 @@
           <a:p>
             <a:fld id="{5A17C049-BD81-4386-AD94-2637EF2EA6EB}" type="datetimeFigureOut">
               <a:rPr lang="en-US" smtClean="0"/>
-              <a:t>9/12/2021</a:t>
+              <a:t>9/13/2021</a:t>
             </a:fld>
             <a:endParaRPr lang="en-US"/>
           </a:p>
@@ -773,7 +773,7 @@
           <a:p>
             <a:fld id="{5A17C049-BD81-4386-AD94-2637EF2EA6EB}" type="datetimeFigureOut">
               <a:rPr lang="en-US" smtClean="0"/>
-              <a:t>9/12/2021</a:t>
+              <a:t>9/13/2021</a:t>
             </a:fld>
             <a:endParaRPr lang="en-US"/>
           </a:p>
@@ -1019,7 +1019,7 @@
           <a:p>
             <a:fld id="{5A17C049-BD81-4386-AD94-2637EF2EA6EB}" type="datetimeFigureOut">
               <a:rPr lang="en-US" smtClean="0"/>
-              <a:t>9/12/2021</a:t>
+              <a:t>9/13/2021</a:t>
             </a:fld>
             <a:endParaRPr lang="en-US"/>
           </a:p>
@@ -1251,7 +1251,7 @@
           <a:p>
             <a:fld id="{5A17C049-BD81-4386-AD94-2637EF2EA6EB}" type="datetimeFigureOut">
               <a:rPr lang="en-US" smtClean="0"/>
-              <a:t>9/12/2021</a:t>
+              <a:t>9/13/2021</a:t>
             </a:fld>
             <a:endParaRPr lang="en-US"/>
           </a:p>
@@ -1618,7 +1618,7 @@
           <a:p>
             <a:fld id="{5A17C049-BD81-4386-AD94-2637EF2EA6EB}" type="datetimeFigureOut">
               <a:rPr lang="en-US" smtClean="0"/>
-              <a:t>9/12/2021</a:t>
+              <a:t>9/13/2021</a:t>
             </a:fld>
             <a:endParaRPr lang="en-US"/>
           </a:p>
@@ -1736,7 +1736,7 @@
           <a:p>
             <a:fld id="{5A17C049-BD81-4386-AD94-2637EF2EA6EB}" type="datetimeFigureOut">
               <a:rPr lang="en-US" smtClean="0"/>
-              <a:t>9/12/2021</a:t>
+              <a:t>9/13/2021</a:t>
             </a:fld>
             <a:endParaRPr lang="en-US"/>
           </a:p>
@@ -1831,7 +1831,7 @@
           <a:p>
             <a:fld id="{5A17C049-BD81-4386-AD94-2637EF2EA6EB}" type="datetimeFigureOut">
               <a:rPr lang="en-US" smtClean="0"/>
-              <a:t>9/12/2021</a:t>
+              <a:t>9/13/2021</a:t>
             </a:fld>
             <a:endParaRPr lang="en-US"/>
           </a:p>
@@ -2108,7 +2108,7 @@
           <a:p>
             <a:fld id="{5A17C049-BD81-4386-AD94-2637EF2EA6EB}" type="datetimeFigureOut">
               <a:rPr lang="en-US" smtClean="0"/>
-              <a:t>9/12/2021</a:t>
+              <a:t>9/13/2021</a:t>
             </a:fld>
             <a:endParaRPr lang="en-US"/>
           </a:p>
@@ -2361,7 +2361,7 @@
           <a:p>
             <a:fld id="{5A17C049-BD81-4386-AD94-2637EF2EA6EB}" type="datetimeFigureOut">
               <a:rPr lang="en-US" smtClean="0"/>
-              <a:t>9/12/2021</a:t>
+              <a:t>9/13/2021</a:t>
             </a:fld>
             <a:endParaRPr lang="en-US"/>
           </a:p>
@@ -2574,7 +2574,7 @@
           <a:p>
             <a:fld id="{5A17C049-BD81-4386-AD94-2637EF2EA6EB}" type="datetimeFigureOut">
               <a:rPr lang="en-US" smtClean="0"/>
-              <a:t>9/12/2021</a:t>
+              <a:t>9/13/2021</a:t>
             </a:fld>
             <a:endParaRPr lang="en-US"/>
           </a:p>
@@ -4008,6 +4008,10 @@
           </a:bodyPr>
           <a:lstStyle/>
           <a:p>
+            <a:pPr marL="342900" indent="-342900">
+              <a:buFont typeface="Arial" pitchFamily="34" charset="0"/>
+              <a:buChar char="•"/>
+            </a:pPr>
             <a:r>
               <a:rPr lang="en-US" sz="2400" dirty="0"/>
               <a:t>The Faculty </a:t>
@@ -4062,7 +4066,15 @@
             </a:r>
             <a:r>
               <a:rPr lang="en-US" sz="2400" dirty="0" smtClean="0"/>
-              <a:t>too time-consuming and uses </a:t>
+              <a:t>too time-consuming </a:t>
+            </a:r>
+            <a:r>
+              <a:rPr lang="en-US" sz="2400" dirty="0" smtClean="0"/>
+              <a:t>and </a:t>
+            </a:r>
+            <a:r>
+              <a:rPr lang="en-US" sz="2400" dirty="0" smtClean="0"/>
+              <a:t>uses </a:t>
             </a:r>
             <a:r>
               <a:rPr lang="en-US" sz="2400" dirty="0"/>
@@ -4081,51 +4093,13 @@
             <a:endParaRPr lang="en-US" sz="2400" dirty="0"/>
           </a:p>
           <a:p>
+            <a:pPr marL="342900" indent="-342900">
+              <a:buFont typeface="Arial" pitchFamily="34" charset="0"/>
+              <a:buChar char="•"/>
+            </a:pPr>
             <a:r>
               <a:rPr lang="en-US" sz="2400" dirty="0"/>
-              <a:t>Since the faculty has to send the mark sheet all the way to the admin before getting uploaded to the </a:t>
-            </a:r>
-            <a:r>
-              <a:rPr lang="en-US" sz="2400" dirty="0" smtClean="0"/>
-              <a:t>database, and it </a:t>
-            </a:r>
-            <a:r>
-              <a:rPr lang="en-US" sz="2400" dirty="0"/>
-              <a:t>takes up much of the time </a:t>
-            </a:r>
-            <a:r>
-              <a:rPr lang="en-US" sz="2400" dirty="0" smtClean="0"/>
-              <a:t>using </a:t>
-            </a:r>
-            <a:r>
-              <a:rPr lang="en-US" sz="2400" dirty="0"/>
-              <a:t>unnecessary </a:t>
-            </a:r>
-            <a:r>
-              <a:rPr lang="en-US" sz="2400" dirty="0" smtClean="0"/>
-              <a:t>resources, </a:t>
-            </a:r>
-          </a:p>
-          <a:p>
-            <a:r>
-              <a:rPr lang="en-US" sz="2400" dirty="0" smtClean="0"/>
-              <a:t>Our </a:t>
-            </a:r>
-            <a:r>
-              <a:rPr lang="en-US" sz="2400" dirty="0"/>
-              <a:t>software allows the faculty to directly update the marks to the database. Hence, the use or participation </a:t>
-            </a:r>
-            <a:r>
-              <a:rPr lang="en-US" sz="2400" dirty="0" smtClean="0"/>
-              <a:t>of the admin </a:t>
-            </a:r>
-            <a:r>
-              <a:rPr lang="en-US" sz="2400" dirty="0"/>
-              <a:t>is </a:t>
-            </a:r>
-            <a:r>
-              <a:rPr lang="en-US" sz="2400" dirty="0" smtClean="0"/>
-              <a:t>negligible.</a:t>
+              <a:t>The CO, PLO achievement analysis has to be done by the faculty by manually entering marks of each student to finalize whether they pass or fail. The analysis has to be sent to the admin to be uploaded to the database. The entire CO, PLO achievement analysis table, and the passing of the data is extremely time-consuming.</a:t>
             </a:r>
             <a:endParaRPr lang="en-US" sz="2400" dirty="0"/>
           </a:p>
@@ -4522,7 +4496,7 @@
         </p:nvGraphicFramePr>
         <p:xfrm>
           <a:off x="2032000" y="242146"/>
-          <a:ext cx="8128000" cy="6457698"/>
+          <a:ext cx="8128000" cy="6863080"/>
         </p:xfrm>
         <a:graphic>
           <a:graphicData uri="http://schemas.openxmlformats.org/drawingml/2006/table">
@@ -4534,14 +4508,14 @@
                 <a:gridCol w="1239520">
                   <a:extLst>
                     <a:ext uri="{9D8B030D-6E8A-4147-A177-3AD203B41FA5}">
-                      <a16:colId xmlns:a16="http://schemas.microsoft.com/office/drawing/2014/main" val="4124505920"/>
+                      <a16:colId xmlns:a16="http://schemas.microsoft.com/office/drawing/2014/main" xmlns="" val="4124505920"/>
                     </a:ext>
                   </a:extLst>
                 </a:gridCol>
                 <a:gridCol w="6888480">
                   <a:extLst>
                     <a:ext uri="{9D8B030D-6E8A-4147-A177-3AD203B41FA5}">
-                      <a16:colId xmlns:a16="http://schemas.microsoft.com/office/drawing/2014/main" val="3532537433"/>
+                      <a16:colId xmlns:a16="http://schemas.microsoft.com/office/drawing/2014/main" xmlns="" val="3532537433"/>
                     </a:ext>
                   </a:extLst>
                 </a:gridCol>
@@ -4631,7 +4605,7 @@
                 </a:tc>
                 <a:extLst>
                   <a:ext uri="{0D108BD9-81ED-4DB2-BD59-A6C34878D82A}">
-                    <a16:rowId xmlns:a16="http://schemas.microsoft.com/office/drawing/2014/main" val="2368120112"/>
+                    <a16:rowId xmlns:a16="http://schemas.microsoft.com/office/drawing/2014/main" xmlns="" val="2368120112"/>
                   </a:ext>
                 </a:extLst>
               </a:tr>
@@ -4708,7 +4682,7 @@
                 </a:tc>
                 <a:extLst>
                   <a:ext uri="{0D108BD9-81ED-4DB2-BD59-A6C34878D82A}">
-                    <a16:rowId xmlns:a16="http://schemas.microsoft.com/office/drawing/2014/main" val="1176866898"/>
+                    <a16:rowId xmlns:a16="http://schemas.microsoft.com/office/drawing/2014/main" xmlns="" val="1176866898"/>
                   </a:ext>
                 </a:extLst>
               </a:tr>
@@ -4785,7 +4759,7 @@
                 </a:tc>
                 <a:extLst>
                   <a:ext uri="{0D108BD9-81ED-4DB2-BD59-A6C34878D82A}">
-                    <a16:rowId xmlns:a16="http://schemas.microsoft.com/office/drawing/2014/main" val="3748229593"/>
+                    <a16:rowId xmlns:a16="http://schemas.microsoft.com/office/drawing/2014/main" xmlns="" val="3748229593"/>
                   </a:ext>
                 </a:extLst>
               </a:tr>
@@ -4880,7 +4854,7 @@
                 </a:tc>
                 <a:extLst>
                   <a:ext uri="{0D108BD9-81ED-4DB2-BD59-A6C34878D82A}">
-                    <a16:rowId xmlns:a16="http://schemas.microsoft.com/office/drawing/2014/main" val="3510325890"/>
+                    <a16:rowId xmlns:a16="http://schemas.microsoft.com/office/drawing/2014/main" xmlns="" val="3510325890"/>
                   </a:ext>
                 </a:extLst>
               </a:tr>
@@ -4984,7 +4958,7 @@
                 </a:tc>
                 <a:extLst>
                   <a:ext uri="{0D108BD9-81ED-4DB2-BD59-A6C34878D82A}">
-                    <a16:rowId xmlns:a16="http://schemas.microsoft.com/office/drawing/2014/main" val="2610059197"/>
+                    <a16:rowId xmlns:a16="http://schemas.microsoft.com/office/drawing/2014/main" xmlns="" val="2610059197"/>
                   </a:ext>
                 </a:extLst>
               </a:tr>
@@ -5106,7 +5080,7 @@
                 </a:tc>
                 <a:extLst>
                   <a:ext uri="{0D108BD9-81ED-4DB2-BD59-A6C34878D82A}">
-                    <a16:rowId xmlns:a16="http://schemas.microsoft.com/office/drawing/2014/main" val="2006825161"/>
+                    <a16:rowId xmlns:a16="http://schemas.microsoft.com/office/drawing/2014/main" xmlns="" val="2006825161"/>
                   </a:ext>
                 </a:extLst>
               </a:tr>
@@ -5310,7 +5284,7 @@
                 </a:tc>
                 <a:extLst>
                   <a:ext uri="{0D108BD9-81ED-4DB2-BD59-A6C34878D82A}">
-                    <a16:rowId xmlns:a16="http://schemas.microsoft.com/office/drawing/2014/main" val="3295776193"/>
+                    <a16:rowId xmlns:a16="http://schemas.microsoft.com/office/drawing/2014/main" xmlns="" val="3295776193"/>
                   </a:ext>
                 </a:extLst>
               </a:tr>
@@ -5451,7 +5425,7 @@
                 </a:tc>
                 <a:extLst>
                   <a:ext uri="{0D108BD9-81ED-4DB2-BD59-A6C34878D82A}">
-                    <a16:rowId xmlns:a16="http://schemas.microsoft.com/office/drawing/2014/main" val="2619220988"/>
+                    <a16:rowId xmlns:a16="http://schemas.microsoft.com/office/drawing/2014/main" xmlns="" val="2619220988"/>
                   </a:ext>
                 </a:extLst>
               </a:tr>
@@ -5619,7 +5593,7 @@
                 </a:tc>
                 <a:extLst>
                   <a:ext uri="{0D108BD9-81ED-4DB2-BD59-A6C34878D82A}">
-                    <a16:rowId xmlns:a16="http://schemas.microsoft.com/office/drawing/2014/main" val="88020506"/>
+                    <a16:rowId xmlns:a16="http://schemas.microsoft.com/office/drawing/2014/main" xmlns="" val="88020506"/>
                   </a:ext>
                 </a:extLst>
               </a:tr>
@@ -5696,7 +5670,7 @@
                 </a:tc>
                 <a:extLst>
                   <a:ext uri="{0D108BD9-81ED-4DB2-BD59-A6C34878D82A}">
-                    <a16:rowId xmlns:a16="http://schemas.microsoft.com/office/drawing/2014/main" val="3712571234"/>
+                    <a16:rowId xmlns:a16="http://schemas.microsoft.com/office/drawing/2014/main" xmlns="" val="3712571234"/>
                   </a:ext>
                 </a:extLst>
               </a:tr>
@@ -5773,7 +5747,7 @@
                 </a:tc>
                 <a:extLst>
                   <a:ext uri="{0D108BD9-81ED-4DB2-BD59-A6C34878D82A}">
-                    <a16:rowId xmlns:a16="http://schemas.microsoft.com/office/drawing/2014/main" val="274801435"/>
+                    <a16:rowId xmlns:a16="http://schemas.microsoft.com/office/drawing/2014/main" xmlns="" val="274801435"/>
                   </a:ext>
                 </a:extLst>
               </a:tr>
@@ -5850,7 +5824,7 @@
                 </a:tc>
                 <a:extLst>
                   <a:ext uri="{0D108BD9-81ED-4DB2-BD59-A6C34878D82A}">
-                    <a16:rowId xmlns:a16="http://schemas.microsoft.com/office/drawing/2014/main" val="3161068984"/>
+                    <a16:rowId xmlns:a16="http://schemas.microsoft.com/office/drawing/2014/main" xmlns="" val="3161068984"/>
                   </a:ext>
                 </a:extLst>
               </a:tr>
@@ -5981,7 +5955,7 @@
                 </a:tc>
                 <a:extLst>
                   <a:ext uri="{0D108BD9-81ED-4DB2-BD59-A6C34878D82A}">
-                    <a16:rowId xmlns:a16="http://schemas.microsoft.com/office/drawing/2014/main" val="1158425243"/>
+                    <a16:rowId xmlns:a16="http://schemas.microsoft.com/office/drawing/2014/main" xmlns="" val="1158425243"/>
                   </a:ext>
                 </a:extLst>
               </a:tr>
@@ -6545,7 +6519,7 @@
     </a:clrScheme>
     <a:fontScheme name="Office">
       <a:majorFont>
-        <a:latin typeface="Calibri Light" panose="020F0302020204030204"/>
+        <a:latin typeface="Calibri Light"/>
         <a:ea typeface=""/>
         <a:cs typeface=""/>
         <a:font script="Jpan" typeface="游ゴシック Light"/>
@@ -6580,7 +6554,7 @@
         <a:font script="Geor" typeface="Sylfaen"/>
       </a:majorFont>
       <a:minorFont>
-        <a:latin typeface="Calibri" panose="020F0502020204030204"/>
+        <a:latin typeface="Calibri"/>
         <a:ea typeface=""/>
         <a:cs typeface=""/>
         <a:font script="Jpan" typeface="游ゴシック"/>
@@ -6757,7 +6731,7 @@
   <a:extraClrSchemeLst/>
   <a:extLst>
     <a:ext uri="{05A4C25C-085E-4340-85A3-A5531E510DB2}">
-      <thm15:themeFamily xmlns:thm15="http://schemas.microsoft.com/office/thememl/2012/main" name="Office Theme" id="{62F939B6-93AF-4DB8-9C6B-D6C7DFDC589F}" vid="{4A3C46E8-61CC-4603-A589-7422A47A8E4A}"/>
+      <thm15:themeFamily xmlns:thm15="http://schemas.microsoft.com/office/thememl/2012/main" xmlns="" name="Office Theme" id="{62F939B6-93AF-4DB8-9C6B-D6C7DFDC589F}" vid="{4A3C46E8-61CC-4603-A589-7422A47A8E4A}"/>
     </a:ext>
   </a:extLst>
 </a:theme>
